--- a/assets/tactile_image_files/0049-radioactive_decay/0049-radioactive_decay.pptx
+++ b/assets/tactile_image_files/0049-radioactive_decay/0049-radioactive_decay.pptx
@@ -253,7 +253,7 @@
           <a:p>
             <a:fld id="{E796F801-3BB8-A247-923B-F07F1B58D38A}" type="datetimeFigureOut">
               <a:rPr lang="en-US" smtClean="0"/>
-              <a:t>7/24/20</a:t>
+              <a:t>1/8/21</a:t>
             </a:fld>
             <a:endParaRPr lang="en-US"/>
           </a:p>
@@ -433,7 +433,7 @@
           <a:p>
             <a:fld id="{E796F801-3BB8-A247-923B-F07F1B58D38A}" type="datetimeFigureOut">
               <a:rPr lang="en-US" smtClean="0"/>
-              <a:t>7/24/20</a:t>
+              <a:t>1/8/21</a:t>
             </a:fld>
             <a:endParaRPr lang="en-US"/>
           </a:p>
@@ -603,7 +603,7 @@
           <a:p>
             <a:fld id="{E796F801-3BB8-A247-923B-F07F1B58D38A}" type="datetimeFigureOut">
               <a:rPr lang="en-US" smtClean="0"/>
-              <a:t>7/24/20</a:t>
+              <a:t>1/8/21</a:t>
             </a:fld>
             <a:endParaRPr lang="en-US"/>
           </a:p>
@@ -847,7 +847,7 @@
           <a:p>
             <a:fld id="{E796F801-3BB8-A247-923B-F07F1B58D38A}" type="datetimeFigureOut">
               <a:rPr lang="en-US" smtClean="0"/>
-              <a:t>7/24/20</a:t>
+              <a:t>1/8/21</a:t>
             </a:fld>
             <a:endParaRPr lang="en-US"/>
           </a:p>
@@ -1079,7 +1079,7 @@
           <a:p>
             <a:fld id="{E796F801-3BB8-A247-923B-F07F1B58D38A}" type="datetimeFigureOut">
               <a:rPr lang="en-US" smtClean="0"/>
-              <a:t>7/24/20</a:t>
+              <a:t>1/8/21</a:t>
             </a:fld>
             <a:endParaRPr lang="en-US"/>
           </a:p>
@@ -1446,7 +1446,7 @@
           <a:p>
             <a:fld id="{E796F801-3BB8-A247-923B-F07F1B58D38A}" type="datetimeFigureOut">
               <a:rPr lang="en-US" smtClean="0"/>
-              <a:t>7/24/20</a:t>
+              <a:t>1/8/21</a:t>
             </a:fld>
             <a:endParaRPr lang="en-US"/>
           </a:p>
@@ -1564,7 +1564,7 @@
           <a:p>
             <a:fld id="{E796F801-3BB8-A247-923B-F07F1B58D38A}" type="datetimeFigureOut">
               <a:rPr lang="en-US" smtClean="0"/>
-              <a:t>7/24/20</a:t>
+              <a:t>1/8/21</a:t>
             </a:fld>
             <a:endParaRPr lang="en-US"/>
           </a:p>
@@ -1659,7 +1659,7 @@
           <a:p>
             <a:fld id="{E796F801-3BB8-A247-923B-F07F1B58D38A}" type="datetimeFigureOut">
               <a:rPr lang="en-US" smtClean="0"/>
-              <a:t>7/24/20</a:t>
+              <a:t>1/8/21</a:t>
             </a:fld>
             <a:endParaRPr lang="en-US"/>
           </a:p>
@@ -1936,7 +1936,7 @@
           <a:p>
             <a:fld id="{E796F801-3BB8-A247-923B-F07F1B58D38A}" type="datetimeFigureOut">
               <a:rPr lang="en-US" smtClean="0"/>
-              <a:t>7/24/20</a:t>
+              <a:t>1/8/21</a:t>
             </a:fld>
             <a:endParaRPr lang="en-US"/>
           </a:p>
@@ -2193,7 +2193,7 @@
           <a:p>
             <a:fld id="{E796F801-3BB8-A247-923B-F07F1B58D38A}" type="datetimeFigureOut">
               <a:rPr lang="en-US" smtClean="0"/>
-              <a:t>7/24/20</a:t>
+              <a:t>1/8/21</a:t>
             </a:fld>
             <a:endParaRPr lang="en-US"/>
           </a:p>
@@ -2406,7 +2406,7 @@
           <a:p>
             <a:fld id="{E796F801-3BB8-A247-923B-F07F1B58D38A}" type="datetimeFigureOut">
               <a:rPr lang="en-US" smtClean="0"/>
-              <a:t>7/24/20</a:t>
+              <a:t>1/8/21</a:t>
             </a:fld>
             <a:endParaRPr lang="en-US"/>
           </a:p>
@@ -2960,8 +2960,8 @@
         </p:nvSpPr>
         <p:spPr>
           <a:xfrm>
-            <a:off x="3539503" y="235319"/>
-            <a:ext cx="2108269" cy="369332"/>
+            <a:off x="3187881" y="352635"/>
+            <a:ext cx="3044423" cy="923330"/>
           </a:xfrm>
           <a:prstGeom prst="rect">
             <a:avLst/>
@@ -2973,6 +2973,7 @@
           </a:bodyPr>
           <a:lstStyle/>
           <a:p>
+            <a:pPr algn="ctr"/>
             <a:r>
               <a:rPr lang="en-US">
                 <a:latin typeface="Arial" panose="020B0604020202020204" pitchFamily="34" charset="0"/>
@@ -2981,80 +2982,24 @@
               <a:t>Radioactive Decay</a:t>
             </a:r>
           </a:p>
-        </p:txBody>
-      </p:sp>
-      <p:sp>
-        <p:nvSpPr>
-          <p:cNvPr id="100" name="TextBox 99">
-            <a:extLst>
-              <a:ext uri="{FF2B5EF4-FFF2-40B4-BE49-F238E27FC236}">
-                <a16:creationId xmlns:a16="http://schemas.microsoft.com/office/drawing/2014/main" id="{1BACDB6B-284D-B741-ADB4-10762C735117}"/>
-              </a:ext>
-            </a:extLst>
-          </p:cNvPr>
-          <p:cNvSpPr txBox="1"/>
-          <p:nvPr/>
-        </p:nvSpPr>
-        <p:spPr>
-          <a:xfrm rot="16200000">
-            <a:off x="23694" y="3220541"/>
-            <a:ext cx="2105063" cy="307777"/>
-          </a:xfrm>
-          <a:prstGeom prst="rect">
-            <a:avLst/>
-          </a:prstGeom>
-          <a:noFill/>
-        </p:spPr>
-        <p:txBody>
-          <a:bodyPr wrap="none" rtlCol="0">
-            <a:spAutoFit/>
-          </a:bodyPr>
-          <a:lstStyle/>
-          <a:p>
-            <a:r>
-              <a:rPr lang="en-US" sz="1400">
+          <a:p>
+            <a:pPr algn="ctr"/>
+            <a:r>
+              <a:rPr lang="en-US">
                 <a:latin typeface="Arial" panose="020B0604020202020204" pitchFamily="34" charset="0"/>
                 <a:cs typeface="Arial" panose="020B0604020202020204" pitchFamily="34" charset="0"/>
               </a:rPr>
-              <a:t>Atoms of Parent Isotope</a:t>
-            </a:r>
-          </a:p>
-        </p:txBody>
-      </p:sp>
-      <p:sp>
-        <p:nvSpPr>
-          <p:cNvPr id="101" name="TextBox 100">
-            <a:extLst>
-              <a:ext uri="{FF2B5EF4-FFF2-40B4-BE49-F238E27FC236}">
-                <a16:creationId xmlns:a16="http://schemas.microsoft.com/office/drawing/2014/main" id="{FE4AE9EB-4B14-0242-9685-4A5740B09293}"/>
-              </a:ext>
-            </a:extLst>
-          </p:cNvPr>
-          <p:cNvSpPr txBox="1"/>
-          <p:nvPr/>
-        </p:nvSpPr>
-        <p:spPr>
-          <a:xfrm>
-            <a:off x="4107715" y="6308650"/>
-            <a:ext cx="1856598" cy="307777"/>
-          </a:xfrm>
-          <a:prstGeom prst="rect">
-            <a:avLst/>
-          </a:prstGeom>
-          <a:noFill/>
-        </p:spPr>
-        <p:txBody>
-          <a:bodyPr wrap="none" rtlCol="0">
-            <a:spAutoFit/>
-          </a:bodyPr>
-          <a:lstStyle/>
-          <a:p>
-            <a:r>
-              <a:rPr lang="en-US" sz="1400">
+              <a:t>Number of Half Lifes (x) vs. </a:t>
+            </a:r>
+          </a:p>
+          <a:p>
+            <a:pPr algn="ctr"/>
+            <a:r>
+              <a:rPr lang="en-US">
                 <a:latin typeface="Arial" panose="020B0604020202020204" pitchFamily="34" charset="0"/>
                 <a:cs typeface="Arial" panose="020B0604020202020204" pitchFamily="34" charset="0"/>
               </a:rPr>
-              <a:t>Number of Half Lives</a:t>
+              <a:t>Atoms of Parent Isotope (y)</a:t>
             </a:r>
           </a:p>
         </p:txBody>
@@ -3073,7 +3018,7 @@
         </p:nvSpPr>
         <p:spPr>
           <a:xfrm>
-            <a:off x="2349798" y="1233374"/>
+            <a:off x="1828801" y="1684839"/>
             <a:ext cx="6134986" cy="4327451"/>
           </a:xfrm>
           <a:custGeom>
@@ -3216,7 +3161,7 @@
         </p:nvSpPr>
         <p:spPr>
           <a:xfrm>
-            <a:off x="2264739" y="1169579"/>
+            <a:off x="1743742" y="1621044"/>
             <a:ext cx="170121" cy="170121"/>
           </a:xfrm>
           <a:prstGeom prst="ellipse">
@@ -3271,7 +3216,7 @@
         </p:nvCxnSpPr>
         <p:spPr>
           <a:xfrm>
-            <a:off x="2098159" y="3437853"/>
+            <a:off x="1577162" y="3889318"/>
             <a:ext cx="244549" cy="0"/>
           </a:xfrm>
           <a:prstGeom prst="line">
@@ -3312,7 +3257,7 @@
         </p:nvCxnSpPr>
         <p:spPr>
           <a:xfrm>
-            <a:off x="2094611" y="1254635"/>
+            <a:off x="1573614" y="1706100"/>
             <a:ext cx="244549" cy="0"/>
           </a:xfrm>
           <a:prstGeom prst="line">
@@ -3353,7 +3298,7 @@
         </p:nvSpPr>
         <p:spPr>
           <a:xfrm>
-            <a:off x="1612607" y="3265377"/>
+            <a:off x="1091610" y="3716842"/>
             <a:ext cx="482824" cy="307777"/>
           </a:xfrm>
           <a:prstGeom prst="rect">
@@ -3391,7 +3336,7 @@
         </p:nvSpPr>
         <p:spPr>
           <a:xfrm>
-            <a:off x="1612607" y="4377073"/>
+            <a:off x="1091610" y="4828538"/>
             <a:ext cx="482824" cy="307777"/>
           </a:xfrm>
           <a:prstGeom prst="rect">
@@ -3429,7 +3374,7 @@
         </p:nvSpPr>
         <p:spPr>
           <a:xfrm>
-            <a:off x="1722481" y="4944142"/>
+            <a:off x="1201484" y="5395607"/>
             <a:ext cx="383438" cy="307777"/>
           </a:xfrm>
           <a:prstGeom prst="rect">
@@ -3467,7 +3412,7 @@
         </p:nvCxnSpPr>
         <p:spPr>
           <a:xfrm>
-            <a:off x="2371063" y="3434314"/>
+            <a:off x="1850066" y="3885779"/>
             <a:ext cx="1158949" cy="0"/>
           </a:xfrm>
           <a:prstGeom prst="line">
@@ -3511,7 +3456,7 @@
         </p:nvCxnSpPr>
         <p:spPr>
           <a:xfrm>
-            <a:off x="2406505" y="4543644"/>
+            <a:off x="1885508" y="4995109"/>
             <a:ext cx="2250558" cy="0"/>
           </a:xfrm>
           <a:prstGeom prst="line">
@@ -3555,7 +3500,7 @@
         </p:nvCxnSpPr>
         <p:spPr>
           <a:xfrm>
-            <a:off x="2406504" y="5107170"/>
+            <a:off x="1885507" y="5558635"/>
             <a:ext cx="3398876" cy="0"/>
           </a:xfrm>
           <a:prstGeom prst="line">
@@ -3597,7 +3542,7 @@
         </p:nvSpPr>
         <p:spPr>
           <a:xfrm>
-            <a:off x="1811089" y="5479315"/>
+            <a:off x="1290092" y="5930780"/>
             <a:ext cx="284052" cy="307777"/>
           </a:xfrm>
           <a:prstGeom prst="rect">
@@ -3637,7 +3582,7 @@
         </p:nvCxnSpPr>
         <p:spPr>
           <a:xfrm flipV="1">
-            <a:off x="3522921" y="3402417"/>
+            <a:off x="3001924" y="3853882"/>
             <a:ext cx="0" cy="2211572"/>
           </a:xfrm>
           <a:prstGeom prst="line">
@@ -3681,7 +3626,7 @@
         </p:nvCxnSpPr>
         <p:spPr>
           <a:xfrm flipV="1">
-            <a:off x="4642884" y="4554278"/>
+            <a:off x="4121887" y="5005743"/>
             <a:ext cx="0" cy="1091608"/>
           </a:xfrm>
           <a:prstGeom prst="line">
@@ -3723,7 +3668,7 @@
         </p:nvSpPr>
         <p:spPr>
           <a:xfrm>
-            <a:off x="3370528" y="5863271"/>
+            <a:off x="2849531" y="6314736"/>
             <a:ext cx="284052" cy="307777"/>
           </a:xfrm>
           <a:prstGeom prst="rect">
@@ -3761,7 +3706,7 @@
         </p:nvSpPr>
         <p:spPr>
           <a:xfrm>
-            <a:off x="4511756" y="5863271"/>
+            <a:off x="3990759" y="6314736"/>
             <a:ext cx="284052" cy="307777"/>
           </a:xfrm>
           <a:prstGeom prst="rect">
@@ -3799,7 +3744,7 @@
         </p:nvSpPr>
         <p:spPr>
           <a:xfrm>
-            <a:off x="5674250" y="5863271"/>
+            <a:off x="5153253" y="6314736"/>
             <a:ext cx="284052" cy="307777"/>
           </a:xfrm>
           <a:prstGeom prst="rect">
@@ -3839,7 +3784,7 @@
         </p:nvCxnSpPr>
         <p:spPr>
           <a:xfrm flipV="1">
-            <a:off x="5794744" y="5103626"/>
+            <a:off x="5273747" y="5555091"/>
             <a:ext cx="0" cy="567069"/>
           </a:xfrm>
           <a:prstGeom prst="line">
@@ -3881,7 +3826,7 @@
         </p:nvSpPr>
         <p:spPr>
           <a:xfrm>
-            <a:off x="3437867" y="3374064"/>
+            <a:off x="2916870" y="3825529"/>
             <a:ext cx="170121" cy="170121"/>
           </a:xfrm>
           <a:prstGeom prst="ellipse">
@@ -3936,7 +3881,7 @@
         </p:nvSpPr>
         <p:spPr>
           <a:xfrm>
-            <a:off x="4557831" y="4472764"/>
+            <a:off x="4036834" y="4924229"/>
             <a:ext cx="170121" cy="170121"/>
           </a:xfrm>
           <a:prstGeom prst="ellipse">
@@ -3991,7 +3936,7 @@
         </p:nvSpPr>
         <p:spPr>
           <a:xfrm>
-            <a:off x="5695518" y="5025655"/>
+            <a:off x="5174521" y="5477120"/>
             <a:ext cx="170121" cy="170121"/>
           </a:xfrm>
           <a:prstGeom prst="ellipse">
@@ -4046,7 +3991,7 @@
         </p:nvSpPr>
         <p:spPr>
           <a:xfrm>
-            <a:off x="2208038" y="5863271"/>
+            <a:off x="1687041" y="6314736"/>
             <a:ext cx="284052" cy="307777"/>
           </a:xfrm>
           <a:prstGeom prst="rect">
@@ -4084,7 +4029,7 @@
         </p:nvSpPr>
         <p:spPr>
           <a:xfrm>
-            <a:off x="1747289" y="5213502"/>
+            <a:off x="1226292" y="5664967"/>
             <a:ext cx="383438" cy="307777"/>
           </a:xfrm>
           <a:prstGeom prst="rect">
@@ -4124,7 +4069,7 @@
         </p:nvCxnSpPr>
         <p:spPr>
           <a:xfrm>
-            <a:off x="2367518" y="5376529"/>
+            <a:off x="1846521" y="5827994"/>
             <a:ext cx="4299098" cy="0"/>
           </a:xfrm>
           <a:prstGeom prst="line">
@@ -4168,7 +4113,7 @@
         </p:nvCxnSpPr>
         <p:spPr>
           <a:xfrm flipV="1">
-            <a:off x="6935971" y="5454502"/>
+            <a:off x="6414974" y="5905967"/>
             <a:ext cx="0" cy="116957"/>
           </a:xfrm>
           <a:prstGeom prst="line">
@@ -4210,7 +4155,7 @@
         </p:nvSpPr>
         <p:spPr>
           <a:xfrm>
-            <a:off x="6847382" y="5316283"/>
+            <a:off x="6326385" y="5767748"/>
             <a:ext cx="170121" cy="170121"/>
           </a:xfrm>
           <a:prstGeom prst="ellipse">
@@ -4265,7 +4210,7 @@
         </p:nvSpPr>
         <p:spPr>
           <a:xfrm>
-            <a:off x="6794212" y="5863271"/>
+            <a:off x="6273215" y="6314736"/>
             <a:ext cx="284052" cy="307777"/>
           </a:xfrm>
           <a:prstGeom prst="rect">
@@ -4303,7 +4248,7 @@
         </p:nvCxnSpPr>
         <p:spPr>
           <a:xfrm>
-            <a:off x="2115882" y="5635253"/>
+            <a:off x="1594885" y="6086718"/>
             <a:ext cx="244549" cy="0"/>
           </a:xfrm>
           <a:prstGeom prst="line">
@@ -4344,7 +4289,7 @@
         </p:nvCxnSpPr>
         <p:spPr>
           <a:xfrm>
-            <a:off x="2112335" y="5100084"/>
+            <a:off x="1591338" y="5551549"/>
             <a:ext cx="244549" cy="0"/>
           </a:xfrm>
           <a:prstGeom prst="line">
@@ -4387,7 +4332,7 @@
         </p:nvCxnSpPr>
         <p:spPr>
           <a:xfrm rot="16200000">
-            <a:off x="3398878" y="5759300"/>
+            <a:off x="2877881" y="6210765"/>
             <a:ext cx="244549" cy="0"/>
           </a:xfrm>
           <a:prstGeom prst="line">
@@ -4428,7 +4373,7 @@
         </p:nvCxnSpPr>
         <p:spPr>
           <a:xfrm>
-            <a:off x="2105246" y="5380080"/>
+            <a:off x="1584249" y="5831545"/>
             <a:ext cx="244549" cy="0"/>
           </a:xfrm>
           <a:prstGeom prst="line">
@@ -4471,7 +4416,7 @@
         </p:nvCxnSpPr>
         <p:spPr>
           <a:xfrm rot="16200000">
-            <a:off x="4518838" y="5773473"/>
+            <a:off x="3997841" y="6224938"/>
             <a:ext cx="244549" cy="0"/>
           </a:xfrm>
           <a:prstGeom prst="line">
@@ -4514,7 +4459,7 @@
         </p:nvCxnSpPr>
         <p:spPr>
           <a:xfrm rot="16200000">
-            <a:off x="5667157" y="5762845"/>
+            <a:off x="5146160" y="6214310"/>
             <a:ext cx="244549" cy="0"/>
           </a:xfrm>
           <a:prstGeom prst="line">
@@ -4557,7 +4502,7 @@
         </p:nvCxnSpPr>
         <p:spPr>
           <a:xfrm rot="16200000">
-            <a:off x="6808385" y="5755757"/>
+            <a:off x="6287388" y="6207222"/>
             <a:ext cx="244549" cy="0"/>
           </a:xfrm>
           <a:prstGeom prst="line">
@@ -4598,7 +4543,7 @@
         </p:nvSpPr>
         <p:spPr>
           <a:xfrm>
-            <a:off x="2339164" y="1020726"/>
+            <a:off x="1818167" y="1472191"/>
             <a:ext cx="6145618" cy="4614530"/>
           </a:xfrm>
           <a:prstGeom prst="rect">
@@ -4655,7 +4600,7 @@
         </p:nvCxnSpPr>
         <p:spPr>
           <a:xfrm rot="16200000">
-            <a:off x="2218660" y="5769928"/>
+            <a:off x="1697663" y="6221393"/>
             <a:ext cx="244549" cy="0"/>
           </a:xfrm>
           <a:prstGeom prst="line">
@@ -4696,7 +4641,7 @@
         </p:nvCxnSpPr>
         <p:spPr>
           <a:xfrm>
-            <a:off x="2108791" y="4543648"/>
+            <a:off x="1587794" y="4995113"/>
             <a:ext cx="244549" cy="0"/>
           </a:xfrm>
           <a:prstGeom prst="line">
@@ -4737,7 +4682,7 @@
         </p:nvSpPr>
         <p:spPr>
           <a:xfrm>
-            <a:off x="1594886" y="1110511"/>
+            <a:off x="1073889" y="1561976"/>
             <a:ext cx="482824" cy="307777"/>
           </a:xfrm>
           <a:prstGeom prst="rect">
@@ -4922,43 +4867,6 @@
       </p:sp>
       <p:sp>
         <p:nvSpPr>
-          <p:cNvPr id="27" name="TextBox 26">
-            <a:extLst>
-              <a:ext uri="{FF2B5EF4-FFF2-40B4-BE49-F238E27FC236}">
-                <a16:creationId xmlns:a16="http://schemas.microsoft.com/office/drawing/2014/main" id="{00B4B1D6-15E6-EF4D-B34C-A28D5EDE3AD3}"/>
-              </a:ext>
-            </a:extLst>
-          </p:cNvPr>
-          <p:cNvSpPr txBox="1"/>
-          <p:nvPr/>
-        </p:nvSpPr>
-        <p:spPr>
-          <a:xfrm>
-            <a:off x="2768013" y="6266121"/>
-            <a:ext cx="4769254" cy="461665"/>
-          </a:xfrm>
-          <a:prstGeom prst="rect">
-            <a:avLst/>
-          </a:prstGeom>
-          <a:noFill/>
-        </p:spPr>
-        <p:txBody>
-          <a:bodyPr wrap="none" rtlCol="0">
-            <a:spAutoFit/>
-          </a:bodyPr>
-          <a:lstStyle/>
-          <a:p>
-            <a:r>
-              <a:rPr lang="en-US" sz="2400">
-                <a:latin typeface="Swell Braille" pitchFamily="49"/>
-              </a:rPr>
-              <a:t>⠠⠝⠥⠍⠃⠻⠀⠷⠀⠠⠓⠁⠇⠋⠤⠇⠊⠧⠑⠎</a:t>
-            </a:r>
-          </a:p>
-        </p:txBody>
-      </p:sp>
-      <p:sp>
-        <p:nvSpPr>
           <p:cNvPr id="29" name="Freeform 28">
             <a:extLst>
               <a:ext uri="{FF2B5EF4-FFF2-40B4-BE49-F238E27FC236}">
@@ -4971,7 +4879,7 @@
         </p:nvSpPr>
         <p:spPr>
           <a:xfrm>
-            <a:off x="2349798" y="1233374"/>
+            <a:off x="1988291" y="1765236"/>
             <a:ext cx="6134986" cy="4327451"/>
           </a:xfrm>
           <a:custGeom>
@@ -5111,7 +5019,7 @@
         </p:nvSpPr>
         <p:spPr>
           <a:xfrm>
-            <a:off x="2264739" y="1169579"/>
+            <a:off x="1903232" y="1701441"/>
             <a:ext cx="170121" cy="170121"/>
           </a:xfrm>
           <a:prstGeom prst="ellipse">
@@ -5163,7 +5071,7 @@
         </p:nvCxnSpPr>
         <p:spPr>
           <a:xfrm>
-            <a:off x="2115882" y="5635253"/>
+            <a:off x="1754375" y="6167115"/>
             <a:ext cx="244549" cy="0"/>
           </a:xfrm>
           <a:prstGeom prst="line">
@@ -5204,7 +5112,7 @@
         </p:nvCxnSpPr>
         <p:spPr>
           <a:xfrm>
-            <a:off x="2108791" y="4543648"/>
+            <a:off x="1747284" y="5075510"/>
             <a:ext cx="244549" cy="0"/>
           </a:xfrm>
           <a:prstGeom prst="line">
@@ -5245,7 +5153,7 @@
         </p:nvCxnSpPr>
         <p:spPr>
           <a:xfrm>
-            <a:off x="2098159" y="3437853"/>
+            <a:off x="1736652" y="3969715"/>
             <a:ext cx="244549" cy="0"/>
           </a:xfrm>
           <a:prstGeom prst="line">
@@ -5286,7 +5194,7 @@
         </p:nvCxnSpPr>
         <p:spPr>
           <a:xfrm>
-            <a:off x="2094611" y="1254635"/>
+            <a:off x="1733104" y="1786497"/>
             <a:ext cx="244549" cy="0"/>
           </a:xfrm>
           <a:prstGeom prst="line">
@@ -5327,7 +5235,7 @@
         </p:nvSpPr>
         <p:spPr>
           <a:xfrm>
-            <a:off x="1059714" y="1063253"/>
+            <a:off x="698207" y="1595115"/>
             <a:ext cx="1114408" cy="461665"/>
           </a:xfrm>
           <a:prstGeom prst="rect">
@@ -5364,7 +5272,7 @@
         </p:nvSpPr>
         <p:spPr>
           <a:xfrm>
-            <a:off x="1027816" y="3254742"/>
+            <a:off x="666309" y="3786604"/>
             <a:ext cx="1114408" cy="461665"/>
           </a:xfrm>
           <a:prstGeom prst="rect">
@@ -5401,7 +5309,7 @@
         </p:nvSpPr>
         <p:spPr>
           <a:xfrm>
-            <a:off x="1038449" y="4366440"/>
+            <a:off x="676942" y="4898302"/>
             <a:ext cx="1114408" cy="461665"/>
           </a:xfrm>
           <a:prstGeom prst="rect">
@@ -5438,7 +5346,7 @@
         </p:nvCxnSpPr>
         <p:spPr>
           <a:xfrm>
-            <a:off x="2112335" y="5100084"/>
+            <a:off x="1750828" y="5631946"/>
             <a:ext cx="244549" cy="0"/>
           </a:xfrm>
           <a:prstGeom prst="line">
@@ -5479,7 +5387,7 @@
         </p:nvSpPr>
         <p:spPr>
           <a:xfrm>
-            <a:off x="1180220" y="4901611"/>
+            <a:off x="818713" y="5433473"/>
             <a:ext cx="881973" cy="461665"/>
           </a:xfrm>
           <a:prstGeom prst="rect">
@@ -5516,7 +5424,7 @@
         </p:nvCxnSpPr>
         <p:spPr>
           <a:xfrm>
-            <a:off x="2371063" y="3434314"/>
+            <a:off x="2009556" y="3966176"/>
             <a:ext cx="1158949" cy="0"/>
           </a:xfrm>
           <a:prstGeom prst="line">
@@ -5560,7 +5468,7 @@
         </p:nvCxnSpPr>
         <p:spPr>
           <a:xfrm>
-            <a:off x="2406505" y="4543644"/>
+            <a:off x="2044998" y="5075506"/>
             <a:ext cx="2250558" cy="0"/>
           </a:xfrm>
           <a:prstGeom prst="line">
@@ -5604,7 +5512,7 @@
         </p:nvCxnSpPr>
         <p:spPr>
           <a:xfrm>
-            <a:off x="2406504" y="5107170"/>
+            <a:off x="2044997" y="5639032"/>
             <a:ext cx="3398876" cy="0"/>
           </a:xfrm>
           <a:prstGeom prst="line">
@@ -5646,7 +5554,7 @@
         </p:nvSpPr>
         <p:spPr>
           <a:xfrm>
-            <a:off x="1502745" y="5468681"/>
+            <a:off x="1141238" y="6000543"/>
             <a:ext cx="649537" cy="461665"/>
           </a:xfrm>
           <a:prstGeom prst="rect">
@@ -5685,7 +5593,7 @@
         </p:nvCxnSpPr>
         <p:spPr>
           <a:xfrm rot="16200000">
-            <a:off x="2218660" y="5769928"/>
+            <a:off x="1857153" y="6301790"/>
             <a:ext cx="244549" cy="0"/>
           </a:xfrm>
           <a:prstGeom prst="line">
@@ -5728,7 +5636,7 @@
         </p:nvCxnSpPr>
         <p:spPr>
           <a:xfrm flipV="1">
-            <a:off x="3522921" y="3402417"/>
+            <a:off x="3161414" y="3934279"/>
             <a:ext cx="0" cy="2211572"/>
           </a:xfrm>
           <a:prstGeom prst="line">
@@ -5772,7 +5680,7 @@
         </p:nvCxnSpPr>
         <p:spPr>
           <a:xfrm flipV="1">
-            <a:off x="4642884" y="4554278"/>
+            <a:off x="4281377" y="5086140"/>
             <a:ext cx="0" cy="1091608"/>
           </a:xfrm>
           <a:prstGeom prst="line">
@@ -5814,7 +5722,7 @@
         </p:nvSpPr>
         <p:spPr>
           <a:xfrm>
-            <a:off x="3157876" y="5817413"/>
+            <a:off x="2796369" y="6349275"/>
             <a:ext cx="630301" cy="461665"/>
           </a:xfrm>
           <a:prstGeom prst="rect">
@@ -5853,7 +5761,7 @@
         </p:nvCxnSpPr>
         <p:spPr>
           <a:xfrm flipV="1">
-            <a:off x="5794744" y="5103626"/>
+            <a:off x="5433237" y="5635488"/>
             <a:ext cx="0" cy="567069"/>
           </a:xfrm>
           <a:prstGeom prst="line">
@@ -5895,7 +5803,7 @@
         </p:nvSpPr>
         <p:spPr>
           <a:xfrm>
-            <a:off x="3437867" y="3374064"/>
+            <a:off x="3076360" y="3905926"/>
             <a:ext cx="170121" cy="170121"/>
           </a:xfrm>
           <a:prstGeom prst="ellipse">
@@ -5947,7 +5855,7 @@
         </p:nvSpPr>
         <p:spPr>
           <a:xfrm>
-            <a:off x="4557831" y="4472764"/>
+            <a:off x="4196324" y="5004626"/>
             <a:ext cx="170121" cy="170121"/>
           </a:xfrm>
           <a:prstGeom prst="ellipse">
@@ -5999,7 +5907,7 @@
         </p:nvSpPr>
         <p:spPr>
           <a:xfrm>
-            <a:off x="5695518" y="5025655"/>
+            <a:off x="5334011" y="5557517"/>
             <a:ext cx="170121" cy="170121"/>
           </a:xfrm>
           <a:prstGeom prst="ellipse">
@@ -6053,7 +5961,7 @@
         </p:nvCxnSpPr>
         <p:spPr>
           <a:xfrm rot="16200000">
-            <a:off x="3398878" y="5759300"/>
+            <a:off x="3037371" y="6291162"/>
             <a:ext cx="244549" cy="0"/>
           </a:xfrm>
           <a:prstGeom prst="line">
@@ -6094,7 +6002,7 @@
         </p:nvSpPr>
         <p:spPr>
           <a:xfrm>
-            <a:off x="1279456" y="5181603"/>
+            <a:off x="917949" y="5713465"/>
             <a:ext cx="881973" cy="461665"/>
           </a:xfrm>
           <a:prstGeom prst="rect">
@@ -6131,7 +6039,7 @@
         </p:nvCxnSpPr>
         <p:spPr>
           <a:xfrm>
-            <a:off x="2105246" y="5380080"/>
+            <a:off x="1743739" y="5911942"/>
             <a:ext cx="244549" cy="0"/>
           </a:xfrm>
           <a:prstGeom prst="line">
@@ -6174,7 +6082,7 @@
         </p:nvCxnSpPr>
         <p:spPr>
           <a:xfrm>
-            <a:off x="2367518" y="5376529"/>
+            <a:off x="2006011" y="5908391"/>
             <a:ext cx="4299098" cy="0"/>
           </a:xfrm>
           <a:prstGeom prst="line">
@@ -6218,7 +6126,7 @@
         </p:nvCxnSpPr>
         <p:spPr>
           <a:xfrm flipV="1">
-            <a:off x="6935971" y="5454502"/>
+            <a:off x="6574464" y="5986364"/>
             <a:ext cx="0" cy="116957"/>
           </a:xfrm>
           <a:prstGeom prst="line">
@@ -6262,7 +6170,7 @@
         </p:nvCxnSpPr>
         <p:spPr>
           <a:xfrm rot="16200000">
-            <a:off x="4518838" y="5773473"/>
+            <a:off x="4157331" y="6305335"/>
             <a:ext cx="244549" cy="0"/>
           </a:xfrm>
           <a:prstGeom prst="line">
@@ -6305,7 +6213,7 @@
         </p:nvCxnSpPr>
         <p:spPr>
           <a:xfrm rot="16200000">
-            <a:off x="5667157" y="5762845"/>
+            <a:off x="5305650" y="6294707"/>
             <a:ext cx="244549" cy="0"/>
           </a:xfrm>
           <a:prstGeom prst="line">
@@ -6348,7 +6256,7 @@
         </p:nvCxnSpPr>
         <p:spPr>
           <a:xfrm rot="16200000">
-            <a:off x="6808385" y="5755757"/>
+            <a:off x="6446878" y="6287619"/>
             <a:ext cx="244549" cy="0"/>
           </a:xfrm>
           <a:prstGeom prst="line">
@@ -6389,7 +6297,7 @@
         </p:nvSpPr>
         <p:spPr>
           <a:xfrm>
-            <a:off x="6847382" y="5316283"/>
+            <a:off x="6485875" y="5848145"/>
             <a:ext cx="170121" cy="170121"/>
           </a:xfrm>
           <a:prstGeom prst="ellipse">
@@ -6441,7 +6349,7 @@
         </p:nvSpPr>
         <p:spPr>
           <a:xfrm>
-            <a:off x="2393633" y="277850"/>
+            <a:off x="2438722" y="188458"/>
             <a:ext cx="4418197" cy="461665"/>
           </a:xfrm>
           <a:prstGeom prst="rect">
@@ -6465,42 +6373,6 @@
       </p:sp>
       <p:sp>
         <p:nvSpPr>
-          <p:cNvPr id="4" name="Rectangle 3">
-            <a:extLst>
-              <a:ext uri="{FF2B5EF4-FFF2-40B4-BE49-F238E27FC236}">
-                <a16:creationId xmlns:a16="http://schemas.microsoft.com/office/drawing/2014/main" id="{928BA710-A9C6-AA44-8F00-183825C47A61}"/>
-              </a:ext>
-            </a:extLst>
-          </p:cNvPr>
-          <p:cNvSpPr/>
-          <p:nvPr/>
-        </p:nvSpPr>
-        <p:spPr>
-          <a:xfrm rot="16200000">
-            <a:off x="-2177190" y="3233701"/>
-            <a:ext cx="5434501" cy="461665"/>
-          </a:xfrm>
-          <a:prstGeom prst="rect">
-            <a:avLst/>
-          </a:prstGeom>
-        </p:spPr>
-        <p:txBody>
-          <a:bodyPr wrap="none">
-            <a:spAutoFit/>
-          </a:bodyPr>
-          <a:lstStyle/>
-          <a:p>
-            <a:r>
-              <a:rPr lang="en-US" sz="2400">
-                <a:latin typeface="Swell Braille" pitchFamily="49"/>
-              </a:rPr>
-              <a:t>⠠⠁⠞⠕⠍⠎⠀⠷⠀⠠⠏⠜⠢⠞⠀⠠⠊⠎⠕⠞⠕⠏⠑</a:t>
-            </a:r>
-          </a:p>
-        </p:txBody>
-      </p:sp>
-      <p:sp>
-        <p:nvSpPr>
           <p:cNvPr id="81" name="TextBox 80">
             <a:extLst>
               <a:ext uri="{FF2B5EF4-FFF2-40B4-BE49-F238E27FC236}">
@@ -6513,7 +6385,7 @@
         </p:nvSpPr>
         <p:spPr>
           <a:xfrm>
-            <a:off x="2006022" y="5817413"/>
+            <a:off x="1644515" y="6349275"/>
             <a:ext cx="649537" cy="461665"/>
           </a:xfrm>
           <a:prstGeom prst="rect">
@@ -6550,7 +6422,7 @@
         </p:nvSpPr>
         <p:spPr>
           <a:xfrm>
-            <a:off x="4349071" y="5817413"/>
+            <a:off x="3987564" y="6349275"/>
             <a:ext cx="649537" cy="461665"/>
           </a:xfrm>
           <a:prstGeom prst="rect">
@@ -6586,7 +6458,7 @@
         </p:nvSpPr>
         <p:spPr>
           <a:xfrm>
-            <a:off x="5486756" y="5817413"/>
+            <a:off x="5125249" y="6349275"/>
             <a:ext cx="649537" cy="461665"/>
           </a:xfrm>
           <a:prstGeom prst="rect">
@@ -6622,7 +6494,7 @@
         </p:nvSpPr>
         <p:spPr>
           <a:xfrm>
-            <a:off x="6677602" y="5817413"/>
+            <a:off x="6316095" y="6349275"/>
             <a:ext cx="649537" cy="461665"/>
           </a:xfrm>
           <a:prstGeom prst="rect">
@@ -6658,7 +6530,7 @@
         </p:nvSpPr>
         <p:spPr>
           <a:xfrm>
-            <a:off x="2339164" y="1020726"/>
+            <a:off x="1977657" y="1552588"/>
             <a:ext cx="6145618" cy="4614530"/>
           </a:xfrm>
           <a:prstGeom prst="rect">
@@ -6693,6 +6565,78 @@
           <a:p>
             <a:pPr algn="ctr"/>
             <a:endParaRPr lang="en-US"/>
+          </a:p>
+        </p:txBody>
+      </p:sp>
+      <p:sp>
+        <p:nvSpPr>
+          <p:cNvPr id="6" name="Rectangle 5">
+            <a:extLst>
+              <a:ext uri="{FF2B5EF4-FFF2-40B4-BE49-F238E27FC236}">
+                <a16:creationId xmlns:a16="http://schemas.microsoft.com/office/drawing/2014/main" id="{16763C77-AA69-8C48-BA42-5FB3BB5803F4}"/>
+              </a:ext>
+            </a:extLst>
+          </p:cNvPr>
+          <p:cNvSpPr/>
+          <p:nvPr/>
+        </p:nvSpPr>
+        <p:spPr>
+          <a:xfrm>
+            <a:off x="1366463" y="609215"/>
+            <a:ext cx="6503542" cy="461665"/>
+          </a:xfrm>
+          <a:prstGeom prst="rect">
+            <a:avLst/>
+          </a:prstGeom>
+        </p:spPr>
+        <p:txBody>
+          <a:bodyPr wrap="square">
+            <a:spAutoFit/>
+          </a:bodyPr>
+          <a:lstStyle/>
+          <a:p>
+            <a:r>
+              <a:rPr lang="en-US" sz="2400">
+                <a:latin typeface="Swell Braille" pitchFamily="49"/>
+              </a:rPr>
+              <a:t>⠠⠝⠥⠍⠃⠻⠀⠷⠀⠠⠓⠁⠇⠋⠀⠠⠇⠊⠋⠑⠎⠀⠐⠣⠭⠐⠜</a:t>
+            </a:r>
+          </a:p>
+        </p:txBody>
+      </p:sp>
+      <p:sp>
+        <p:nvSpPr>
+          <p:cNvPr id="8" name="Rectangle 7">
+            <a:extLst>
+              <a:ext uri="{FF2B5EF4-FFF2-40B4-BE49-F238E27FC236}">
+                <a16:creationId xmlns:a16="http://schemas.microsoft.com/office/drawing/2014/main" id="{0E4DAA34-A315-8041-A8E8-09E095F53EF0}"/>
+              </a:ext>
+            </a:extLst>
+          </p:cNvPr>
+          <p:cNvSpPr/>
+          <p:nvPr/>
+        </p:nvSpPr>
+        <p:spPr>
+          <a:xfrm>
+            <a:off x="1145568" y="1020181"/>
+            <a:ext cx="7782674" cy="461665"/>
+          </a:xfrm>
+          <a:prstGeom prst="rect">
+            <a:avLst/>
+          </a:prstGeom>
+        </p:spPr>
+        <p:txBody>
+          <a:bodyPr wrap="square">
+            <a:spAutoFit/>
+          </a:bodyPr>
+          <a:lstStyle/>
+          <a:p>
+            <a:r>
+              <a:rPr lang="en-US" sz="2400">
+                <a:latin typeface="Swell Braille" pitchFamily="49"/>
+              </a:rPr>
+              <a:t>⠧⠎⠲⠀⠠⠁⠞⠕⠍⠎⠀⠷⠀⠠⠏⠜⠢⠞⠀⠠⠊⠎⠕⠞⠕⠏⠑⠀⠐⠣⠽⠐⠜</a:t>
+            </a:r>
           </a:p>
         </p:txBody>
       </p:sp>
@@ -6817,7 +6761,7 @@
         </p:nvSpPr>
         <p:spPr>
           <a:xfrm>
-            <a:off x="2892055" y="584788"/>
+            <a:off x="2912603" y="728627"/>
             <a:ext cx="531628" cy="223284"/>
           </a:xfrm>
           <a:prstGeom prst="rect">
@@ -6869,7 +6813,7 @@
         </p:nvSpPr>
         <p:spPr>
           <a:xfrm>
-            <a:off x="1711844" y="1254639"/>
+            <a:off x="1732392" y="1398478"/>
             <a:ext cx="6134986" cy="4327451"/>
           </a:xfrm>
           <a:custGeom>
@@ -7009,7 +6953,7 @@
         </p:nvSpPr>
         <p:spPr>
           <a:xfrm>
-            <a:off x="1626785" y="1190844"/>
+            <a:off x="1647333" y="1334683"/>
             <a:ext cx="170121" cy="170121"/>
           </a:xfrm>
           <a:prstGeom prst="ellipse">
@@ -7061,7 +7005,7 @@
         </p:nvCxnSpPr>
         <p:spPr>
           <a:xfrm>
-            <a:off x="1477928" y="5656518"/>
+            <a:off x="1498476" y="5800357"/>
             <a:ext cx="244549" cy="0"/>
           </a:xfrm>
           <a:prstGeom prst="line">
@@ -7102,7 +7046,7 @@
         </p:nvCxnSpPr>
         <p:spPr>
           <a:xfrm>
-            <a:off x="1470837" y="4564913"/>
+            <a:off x="1491385" y="4708752"/>
             <a:ext cx="244549" cy="0"/>
           </a:xfrm>
           <a:prstGeom prst="line">
@@ -7143,7 +7087,7 @@
         </p:nvCxnSpPr>
         <p:spPr>
           <a:xfrm>
-            <a:off x="1460205" y="3459118"/>
+            <a:off x="1480753" y="3602957"/>
             <a:ext cx="244549" cy="0"/>
           </a:xfrm>
           <a:prstGeom prst="line">
@@ -7184,7 +7128,7 @@
         </p:nvCxnSpPr>
         <p:spPr>
           <a:xfrm>
-            <a:off x="1456657" y="1275900"/>
+            <a:off x="1477205" y="1419739"/>
             <a:ext cx="244549" cy="0"/>
           </a:xfrm>
           <a:prstGeom prst="line">
@@ -7225,7 +7169,7 @@
         </p:nvCxnSpPr>
         <p:spPr>
           <a:xfrm>
-            <a:off x="1474381" y="5121349"/>
+            <a:off x="1494929" y="5265188"/>
             <a:ext cx="244549" cy="0"/>
           </a:xfrm>
           <a:prstGeom prst="line">
@@ -7266,7 +7210,7 @@
         </p:nvCxnSpPr>
         <p:spPr>
           <a:xfrm>
-            <a:off x="1733109" y="3455579"/>
+            <a:off x="1753657" y="3599418"/>
             <a:ext cx="1158949" cy="0"/>
           </a:xfrm>
           <a:prstGeom prst="line">
@@ -7310,7 +7254,7 @@
         </p:nvCxnSpPr>
         <p:spPr>
           <a:xfrm>
-            <a:off x="1768551" y="4564909"/>
+            <a:off x="1789099" y="4708748"/>
             <a:ext cx="2250558" cy="0"/>
           </a:xfrm>
           <a:prstGeom prst="line">
@@ -7354,7 +7298,7 @@
         </p:nvCxnSpPr>
         <p:spPr>
           <a:xfrm>
-            <a:off x="1768550" y="5128435"/>
+            <a:off x="1789098" y="5272274"/>
             <a:ext cx="3398876" cy="0"/>
           </a:xfrm>
           <a:prstGeom prst="line">
@@ -7398,7 +7342,7 @@
         </p:nvCxnSpPr>
         <p:spPr>
           <a:xfrm rot="16200000">
-            <a:off x="1580706" y="5791193"/>
+            <a:off x="1601254" y="5935032"/>
             <a:ext cx="244549" cy="0"/>
           </a:xfrm>
           <a:prstGeom prst="line">
@@ -7441,7 +7385,7 @@
         </p:nvCxnSpPr>
         <p:spPr>
           <a:xfrm flipV="1">
-            <a:off x="2884967" y="3423682"/>
+            <a:off x="2905515" y="3567521"/>
             <a:ext cx="0" cy="2211572"/>
           </a:xfrm>
           <a:prstGeom prst="line">
@@ -7485,7 +7429,7 @@
         </p:nvCxnSpPr>
         <p:spPr>
           <a:xfrm flipV="1">
-            <a:off x="4004930" y="4575543"/>
+            <a:off x="4025478" y="4719382"/>
             <a:ext cx="0" cy="1091608"/>
           </a:xfrm>
           <a:prstGeom prst="line">
@@ -7529,7 +7473,7 @@
         </p:nvCxnSpPr>
         <p:spPr>
           <a:xfrm flipV="1">
-            <a:off x="5156790" y="5124891"/>
+            <a:off x="5177338" y="5268730"/>
             <a:ext cx="0" cy="567069"/>
           </a:xfrm>
           <a:prstGeom prst="line">
@@ -7571,7 +7515,7 @@
         </p:nvSpPr>
         <p:spPr>
           <a:xfrm>
-            <a:off x="2799913" y="3395329"/>
+            <a:off x="2820461" y="3539168"/>
             <a:ext cx="170121" cy="170121"/>
           </a:xfrm>
           <a:prstGeom prst="ellipse">
@@ -7623,7 +7567,7 @@
         </p:nvSpPr>
         <p:spPr>
           <a:xfrm>
-            <a:off x="3919877" y="4494029"/>
+            <a:off x="3940425" y="4637868"/>
             <a:ext cx="170121" cy="170121"/>
           </a:xfrm>
           <a:prstGeom prst="ellipse">
@@ -7675,7 +7619,7 @@
         </p:nvSpPr>
         <p:spPr>
           <a:xfrm>
-            <a:off x="5057564" y="5046920"/>
+            <a:off x="5078112" y="5190759"/>
             <a:ext cx="170121" cy="170121"/>
           </a:xfrm>
           <a:prstGeom prst="ellipse">
@@ -7729,7 +7673,7 @@
         </p:nvCxnSpPr>
         <p:spPr>
           <a:xfrm rot="16200000">
-            <a:off x="2760924" y="5780565"/>
+            <a:off x="2781472" y="5924404"/>
             <a:ext cx="244549" cy="0"/>
           </a:xfrm>
           <a:prstGeom prst="line">
@@ -7770,7 +7714,7 @@
         </p:nvCxnSpPr>
         <p:spPr>
           <a:xfrm>
-            <a:off x="1467292" y="5401345"/>
+            <a:off x="1487840" y="5545184"/>
             <a:ext cx="244549" cy="0"/>
           </a:xfrm>
           <a:prstGeom prst="line">
@@ -7813,7 +7757,7 @@
         </p:nvCxnSpPr>
         <p:spPr>
           <a:xfrm>
-            <a:off x="1729564" y="5397794"/>
+            <a:off x="1750112" y="5541633"/>
             <a:ext cx="4299098" cy="0"/>
           </a:xfrm>
           <a:prstGeom prst="line">
@@ -7857,7 +7801,7 @@
         </p:nvCxnSpPr>
         <p:spPr>
           <a:xfrm flipV="1">
-            <a:off x="6298017" y="5475767"/>
+            <a:off x="6318565" y="5619606"/>
             <a:ext cx="0" cy="116957"/>
           </a:xfrm>
           <a:prstGeom prst="line">
@@ -7901,7 +7845,7 @@
         </p:nvCxnSpPr>
         <p:spPr>
           <a:xfrm rot="16200000">
-            <a:off x="3880884" y="5794738"/>
+            <a:off x="3901432" y="5938577"/>
             <a:ext cx="244549" cy="0"/>
           </a:xfrm>
           <a:prstGeom prst="line">
@@ -7944,7 +7888,7 @@
         </p:nvCxnSpPr>
         <p:spPr>
           <a:xfrm rot="16200000">
-            <a:off x="5029203" y="5784110"/>
+            <a:off x="5049751" y="5927949"/>
             <a:ext cx="244549" cy="0"/>
           </a:xfrm>
           <a:prstGeom prst="line">
@@ -7987,7 +7931,7 @@
         </p:nvCxnSpPr>
         <p:spPr>
           <a:xfrm rot="16200000">
-            <a:off x="6170431" y="5777022"/>
+            <a:off x="6190979" y="5920861"/>
             <a:ext cx="244549" cy="0"/>
           </a:xfrm>
           <a:prstGeom prst="line">
@@ -8028,7 +7972,7 @@
         </p:nvSpPr>
         <p:spPr>
           <a:xfrm>
-            <a:off x="6209428" y="5337548"/>
+            <a:off x="6229976" y="5481387"/>
             <a:ext cx="170121" cy="170121"/>
           </a:xfrm>
           <a:prstGeom prst="ellipse">
@@ -8080,7 +8024,7 @@
         </p:nvSpPr>
         <p:spPr>
           <a:xfrm>
-            <a:off x="1701210" y="1041991"/>
+            <a:off x="1721758" y="1185830"/>
             <a:ext cx="6145618" cy="4614530"/>
           </a:xfrm>
           <a:prstGeom prst="rect">

--- a/assets/tactile_image_files/0049-radioactive_decay/0049-radioactive_decay.pptx
+++ b/assets/tactile_image_files/0049-radioactive_decay/0049-radioactive_decay.pptx
@@ -10,7 +10,7 @@
     <p:sldId id="261" r:id="rId4"/>
   </p:sldIdLst>
   <p:sldSz cx="9144000" cy="6858000" type="screen4x3"/>
-  <p:notesSz cx="6858000" cy="9144000"/>
+  <p:notesSz cx="7010400" cy="9296400"/>
   <p:defaultTextStyle>
     <a:defPPr>
       <a:defRPr lang="en-US"/>
@@ -253,7 +253,7 @@
           <a:p>
             <a:fld id="{E796F801-3BB8-A247-923B-F07F1B58D38A}" type="datetimeFigureOut">
               <a:rPr lang="en-US" smtClean="0"/>
-              <a:t>1/8/21</a:t>
+              <a:t>7/13/21</a:t>
             </a:fld>
             <a:endParaRPr lang="en-US"/>
           </a:p>
@@ -433,7 +433,7 @@
           <a:p>
             <a:fld id="{E796F801-3BB8-A247-923B-F07F1B58D38A}" type="datetimeFigureOut">
               <a:rPr lang="en-US" smtClean="0"/>
-              <a:t>1/8/21</a:t>
+              <a:t>7/13/21</a:t>
             </a:fld>
             <a:endParaRPr lang="en-US"/>
           </a:p>
@@ -603,7 +603,7 @@
           <a:p>
             <a:fld id="{E796F801-3BB8-A247-923B-F07F1B58D38A}" type="datetimeFigureOut">
               <a:rPr lang="en-US" smtClean="0"/>
-              <a:t>1/8/21</a:t>
+              <a:t>7/13/21</a:t>
             </a:fld>
             <a:endParaRPr lang="en-US"/>
           </a:p>
@@ -847,7 +847,7 @@
           <a:p>
             <a:fld id="{E796F801-3BB8-A247-923B-F07F1B58D38A}" type="datetimeFigureOut">
               <a:rPr lang="en-US" smtClean="0"/>
-              <a:t>1/8/21</a:t>
+              <a:t>7/13/21</a:t>
             </a:fld>
             <a:endParaRPr lang="en-US"/>
           </a:p>
@@ -1079,7 +1079,7 @@
           <a:p>
             <a:fld id="{E796F801-3BB8-A247-923B-F07F1B58D38A}" type="datetimeFigureOut">
               <a:rPr lang="en-US" smtClean="0"/>
-              <a:t>1/8/21</a:t>
+              <a:t>7/13/21</a:t>
             </a:fld>
             <a:endParaRPr lang="en-US"/>
           </a:p>
@@ -1446,7 +1446,7 @@
           <a:p>
             <a:fld id="{E796F801-3BB8-A247-923B-F07F1B58D38A}" type="datetimeFigureOut">
               <a:rPr lang="en-US" smtClean="0"/>
-              <a:t>1/8/21</a:t>
+              <a:t>7/13/21</a:t>
             </a:fld>
             <a:endParaRPr lang="en-US"/>
           </a:p>
@@ -1564,7 +1564,7 @@
           <a:p>
             <a:fld id="{E796F801-3BB8-A247-923B-F07F1B58D38A}" type="datetimeFigureOut">
               <a:rPr lang="en-US" smtClean="0"/>
-              <a:t>1/8/21</a:t>
+              <a:t>7/13/21</a:t>
             </a:fld>
             <a:endParaRPr lang="en-US"/>
           </a:p>
@@ -1659,7 +1659,7 @@
           <a:p>
             <a:fld id="{E796F801-3BB8-A247-923B-F07F1B58D38A}" type="datetimeFigureOut">
               <a:rPr lang="en-US" smtClean="0"/>
-              <a:t>1/8/21</a:t>
+              <a:t>7/13/21</a:t>
             </a:fld>
             <a:endParaRPr lang="en-US"/>
           </a:p>
@@ -1936,7 +1936,7 @@
           <a:p>
             <a:fld id="{E796F801-3BB8-A247-923B-F07F1B58D38A}" type="datetimeFigureOut">
               <a:rPr lang="en-US" smtClean="0"/>
-              <a:t>1/8/21</a:t>
+              <a:t>7/13/21</a:t>
             </a:fld>
             <a:endParaRPr lang="en-US"/>
           </a:p>
@@ -2193,7 +2193,7 @@
           <a:p>
             <a:fld id="{E796F801-3BB8-A247-923B-F07F1B58D38A}" type="datetimeFigureOut">
               <a:rPr lang="en-US" smtClean="0"/>
-              <a:t>1/8/21</a:t>
+              <a:t>7/13/21</a:t>
             </a:fld>
             <a:endParaRPr lang="en-US"/>
           </a:p>
@@ -2406,7 +2406,7 @@
           <a:p>
             <a:fld id="{E796F801-3BB8-A247-923B-F07F1B58D38A}" type="datetimeFigureOut">
               <a:rPr lang="en-US" smtClean="0"/>
-              <a:t>1/8/21</a:t>
+              <a:t>7/13/21</a:t>
             </a:fld>
             <a:endParaRPr lang="en-US"/>
           </a:p>
@@ -4815,58 +4815,6 @@
       </p:sp>
       <p:sp>
         <p:nvSpPr>
-          <p:cNvPr id="24" name="Rectangle 23">
-            <a:extLst>
-              <a:ext uri="{FF2B5EF4-FFF2-40B4-BE49-F238E27FC236}">
-                <a16:creationId xmlns:a16="http://schemas.microsoft.com/office/drawing/2014/main" id="{877AE6D0-AD0E-8547-927C-7D383C1B47E0}"/>
-              </a:ext>
-            </a:extLst>
-          </p:cNvPr>
-          <p:cNvSpPr/>
-          <p:nvPr/>
-        </p:nvSpPr>
-        <p:spPr>
-          <a:xfrm>
-            <a:off x="2892055" y="584788"/>
-            <a:ext cx="531628" cy="223284"/>
-          </a:xfrm>
-          <a:prstGeom prst="rect">
-            <a:avLst/>
-          </a:prstGeom>
-          <a:solidFill>
-            <a:schemeClr val="bg1"/>
-          </a:solidFill>
-          <a:ln>
-            <a:noFill/>
-          </a:ln>
-        </p:spPr>
-        <p:style>
-          <a:lnRef idx="2">
-            <a:schemeClr val="accent1">
-              <a:shade val="50000"/>
-            </a:schemeClr>
-          </a:lnRef>
-          <a:fillRef idx="1">
-            <a:schemeClr val="accent1"/>
-          </a:fillRef>
-          <a:effectRef idx="0">
-            <a:schemeClr val="accent1"/>
-          </a:effectRef>
-          <a:fontRef idx="minor">
-            <a:schemeClr val="lt1"/>
-          </a:fontRef>
-        </p:style>
-        <p:txBody>
-          <a:bodyPr rtlCol="0" anchor="ctr"/>
-          <a:lstStyle/>
-          <a:p>
-            <a:pPr algn="ctr"/>
-            <a:endParaRPr lang="en-US"/>
-          </a:p>
-        </p:txBody>
-      </p:sp>
-      <p:sp>
-        <p:nvSpPr>
           <p:cNvPr id="29" name="Freeform 28">
             <a:extLst>
               <a:ext uri="{FF2B5EF4-FFF2-40B4-BE49-F238E27FC236}">
@@ -5235,7 +5183,7 @@
         </p:nvSpPr>
         <p:spPr>
           <a:xfrm>
-            <a:off x="698207" y="1595115"/>
+            <a:off x="639967" y="1561914"/>
             <a:ext cx="1114408" cy="461665"/>
           </a:xfrm>
           <a:prstGeom prst="rect">
@@ -5250,7 +5198,7 @@
           <a:lstStyle/>
           <a:p>
             <a:r>
-              <a:rPr lang="en-US" sz="2400">
+              <a:rPr lang="en-US" sz="2400" dirty="0">
                 <a:latin typeface="Swell Braille" pitchFamily="49"/>
               </a:rPr>
               <a:t>⠼⠙⠚⠚</a:t>
@@ -5272,7 +5220,7 @@
         </p:nvSpPr>
         <p:spPr>
           <a:xfrm>
-            <a:off x="666309" y="3786604"/>
+            <a:off x="646046" y="3760153"/>
             <a:ext cx="1114408" cy="461665"/>
           </a:xfrm>
           <a:prstGeom prst="rect">
@@ -5287,7 +5235,7 @@
           <a:lstStyle/>
           <a:p>
             <a:r>
-              <a:rPr lang="en-US" sz="2400">
+              <a:rPr lang="en-US" sz="2400" dirty="0">
                 <a:latin typeface="Swell Braille" pitchFamily="49"/>
               </a:rPr>
               <a:t>⠼⠃⠚⠚</a:t>
@@ -5309,7 +5257,7 @@
         </p:nvSpPr>
         <p:spPr>
           <a:xfrm>
-            <a:off x="676942" y="4898302"/>
+            <a:off x="692863" y="4840210"/>
             <a:ext cx="1114408" cy="461665"/>
           </a:xfrm>
           <a:prstGeom prst="rect">
@@ -5324,7 +5272,7 @@
           <a:lstStyle/>
           <a:p>
             <a:r>
-              <a:rPr lang="en-US" sz="2400">
+              <a:rPr lang="en-US" sz="2400" dirty="0">
                 <a:latin typeface="Swell Braille" pitchFamily="49"/>
               </a:rPr>
               <a:t>⠼⠁⠚⠚</a:t>
@@ -5387,7 +5335,7 @@
         </p:nvSpPr>
         <p:spPr>
           <a:xfrm>
-            <a:off x="818713" y="5433473"/>
+            <a:off x="878481" y="5383393"/>
             <a:ext cx="881973" cy="461665"/>
           </a:xfrm>
           <a:prstGeom prst="rect">
@@ -5402,7 +5350,7 @@
           <a:lstStyle/>
           <a:p>
             <a:r>
-              <a:rPr lang="en-US" sz="2400">
+              <a:rPr lang="en-US" sz="2400" dirty="0">
                 <a:latin typeface="Swell Braille" pitchFamily="49"/>
               </a:rPr>
               <a:t>⠼⠑⠚</a:t>
@@ -5554,7 +5502,7 @@
         </p:nvSpPr>
         <p:spPr>
           <a:xfrm>
-            <a:off x="1141238" y="6000543"/>
+            <a:off x="1098524" y="5941599"/>
             <a:ext cx="649537" cy="461665"/>
           </a:xfrm>
           <a:prstGeom prst="rect">
@@ -5569,7 +5517,7 @@
           <a:lstStyle/>
           <a:p>
             <a:r>
-              <a:rPr lang="en-US" sz="2400">
+              <a:rPr lang="en-US" sz="2400" dirty="0">
                 <a:latin typeface="Swell Braille" pitchFamily="49"/>
               </a:rPr>
               <a:t>⠼⠚</a:t>
@@ -5722,7 +5670,7 @@
         </p:nvSpPr>
         <p:spPr>
           <a:xfrm>
-            <a:off x="2796369" y="6349275"/>
+            <a:off x="2931330" y="6400570"/>
             <a:ext cx="630301" cy="461665"/>
           </a:xfrm>
           <a:prstGeom prst="rect">
@@ -5737,7 +5685,7 @@
           <a:lstStyle/>
           <a:p>
             <a:r>
-              <a:rPr lang="en-US" sz="2400">
+              <a:rPr lang="en-US" sz="2400" dirty="0">
                 <a:latin typeface="Swell Braille" pitchFamily="49"/>
               </a:rPr>
               <a:t>⠼⠁</a:t>
@@ -6002,7 +5950,7 @@
         </p:nvSpPr>
         <p:spPr>
           <a:xfrm>
-            <a:off x="917949" y="5713465"/>
+            <a:off x="876023" y="5691268"/>
             <a:ext cx="881973" cy="461665"/>
           </a:xfrm>
           <a:prstGeom prst="rect">
@@ -6017,7 +5965,7 @@
           <a:lstStyle/>
           <a:p>
             <a:r>
-              <a:rPr lang="en-US" sz="2400">
+              <a:rPr lang="en-US" sz="2400" dirty="0">
                 <a:latin typeface="Swell Braille" pitchFamily="49"/>
               </a:rPr>
               <a:t>⠼⠃⠑</a:t>
@@ -6363,7 +6311,7 @@
           <a:lstStyle/>
           <a:p>
             <a:r>
-              <a:rPr lang="en-US" sz="2400">
+              <a:rPr lang="en-US" sz="2400" dirty="0">
                 <a:latin typeface="Swell Braille" pitchFamily="49"/>
               </a:rPr>
               <a:t>⠠⠗⠁⠙⠊⠕⠁⠉⠞⠊⠧⠑⠀⠠⠙⠑⠉⠁⠽</a:t>
@@ -6385,7 +6333,7 @@
         </p:nvSpPr>
         <p:spPr>
           <a:xfrm>
-            <a:off x="1644515" y="6349275"/>
+            <a:off x="1745339" y="6407669"/>
             <a:ext cx="649537" cy="461665"/>
           </a:xfrm>
           <a:prstGeom prst="rect">
@@ -6400,7 +6348,7 @@
           <a:lstStyle/>
           <a:p>
             <a:r>
-              <a:rPr lang="en-US" sz="2400">
+              <a:rPr lang="en-US" sz="2400" dirty="0">
                 <a:latin typeface="Swell Braille" pitchFamily="49"/>
               </a:rPr>
               <a:t>⠼⠚</a:t>
@@ -6422,7 +6370,7 @@
         </p:nvSpPr>
         <p:spPr>
           <a:xfrm>
-            <a:off x="3987564" y="6349275"/>
+            <a:off x="4041676" y="6416982"/>
             <a:ext cx="649537" cy="461665"/>
           </a:xfrm>
           <a:prstGeom prst="rect">
@@ -6436,7 +6384,7 @@
           <a:lstStyle/>
           <a:p>
             <a:r>
-              <a:rPr lang="en-US" sz="2400">
+              <a:rPr lang="en-US" sz="2400" dirty="0">
                 <a:latin typeface="Swell Braille" pitchFamily="49"/>
               </a:rPr>
               <a:t>⠼⠃</a:t>
@@ -6458,7 +6406,7 @@
         </p:nvSpPr>
         <p:spPr>
           <a:xfrm>
-            <a:off x="5125249" y="6349275"/>
+            <a:off x="5200841" y="6407669"/>
             <a:ext cx="649537" cy="461665"/>
           </a:xfrm>
           <a:prstGeom prst="rect">
@@ -6472,7 +6420,7 @@
           <a:lstStyle/>
           <a:p>
             <a:r>
-              <a:rPr lang="en-US" sz="2400">
+              <a:rPr lang="en-US" sz="2400" dirty="0">
                 <a:latin typeface="Swell Braille" pitchFamily="49"/>
               </a:rPr>
               <a:t>⠼⠉</a:t>
@@ -6494,7 +6442,7 @@
         </p:nvSpPr>
         <p:spPr>
           <a:xfrm>
-            <a:off x="6316095" y="6349275"/>
+            <a:off x="6331227" y="6424065"/>
             <a:ext cx="649537" cy="461665"/>
           </a:xfrm>
           <a:prstGeom prst="rect">
@@ -6508,7 +6456,7 @@
           <a:lstStyle/>
           <a:p>
             <a:r>
-              <a:rPr lang="en-US" sz="2400">
+              <a:rPr lang="en-US" sz="2400" dirty="0">
                 <a:latin typeface="Swell Braille" pitchFamily="49"/>
               </a:rPr>
               <a:t>⠼⠙</a:t>
@@ -6596,10 +6544,10 @@
           <a:lstStyle/>
           <a:p>
             <a:r>
-              <a:rPr lang="en-US" sz="2400">
+              <a:rPr lang="en-US" sz="2400" dirty="0">
                 <a:latin typeface="Swell Braille" pitchFamily="49"/>
               </a:rPr>
-              <a:t>⠠⠝⠥⠍⠃⠻⠀⠷⠀⠠⠓⠁⠇⠋⠀⠠⠇⠊⠋⠑⠎⠀⠐⠣⠭⠐⠜</a:t>
+              <a:t>⠠⠝⠥⠍⠃⠻⠀⠷⠀⠠⠓⠁⠇⠋⠀⠠⠇⠊⠋⠑⠎⠀⠐⠣;⠭⠐⠜</a:t>
             </a:r>
           </a:p>
         </p:txBody>
@@ -6618,7 +6566,7 @@
         </p:nvSpPr>
         <p:spPr>
           <a:xfrm>
-            <a:off x="1145568" y="1020181"/>
+            <a:off x="721151" y="978631"/>
             <a:ext cx="7782674" cy="461665"/>
           </a:xfrm>
           <a:prstGeom prst="rect">
@@ -6632,10 +6580,10 @@
           <a:lstStyle/>
           <a:p>
             <a:r>
-              <a:rPr lang="en-US" sz="2400">
+              <a:rPr lang="en-US" sz="2400" dirty="0">
                 <a:latin typeface="Swell Braille" pitchFamily="49"/>
               </a:rPr>
-              <a:t>⠧⠎⠲⠀⠠⠁⠞⠕⠍⠎⠀⠷⠀⠠⠏⠜⠢⠞⠀⠠⠊⠎⠕⠞⠕⠏⠑⠀⠐⠣⠽⠐⠜</a:t>
+              <a:t>⠧⠎⠲⠀⠠⠁⠞⠕⠍⠎⠀⠷⠀⠠⠏⠜⠢⠞⠀⠠⠊⠎⠕⠞⠕⠏⠑⠀⠐⠣;⠽⠐⠜</a:t>
             </a:r>
           </a:p>
         </p:txBody>
